--- a/M202073170/presentation.pptx
+++ b/M202073170/presentation.pptx
@@ -3999,7 +3999,7 @@
           <a:p>
             <a:fld id="{BE7EE898-DEAD-4904-B466-55F7BDE0D3A0}" type="datetimeFigureOut">
               <a:rPr lang="zh-CN" altLang="en-US" smtClean="0"/>
-              <a:t>2020/12/14</a:t>
+              <a:t>2020/12/18</a:t>
             </a:fld>
             <a:endParaRPr lang="zh-CN" altLang="en-US"/>
           </a:p>
@@ -4316,10 +4316,7 @@
           <a:lstStyle/>
           <a:p>
             <a:pPr lvl="0"/>
-            <a:r>
-              <a:rPr lang="zh-CN" altLang="en-US" dirty="0"/>
-              <a:t>各位老师，下午好，我的博士论文是云存储系统尾延迟优化技术研究。</a:t>
-            </a:r>
+            <a:endParaRPr lang="zh-CN" altLang="en-US" dirty="0"/>
           </a:p>
         </p:txBody>
       </p:sp>
@@ -7938,7 +7935,7 @@
                 </a:solidFill>
               </a:rPr>
               <a:pPr defTabSz="457200"/>
-              <a:t>12/14/2020</a:t>
+              <a:t>12/18/2020</a:t>
             </a:fld>
             <a:endParaRPr lang="en-US" dirty="0">
               <a:solidFill>
@@ -8149,7 +8146,7 @@
                 </a:solidFill>
               </a:rPr>
               <a:pPr defTabSz="457200"/>
-              <a:t>2020/12/14</a:t>
+              <a:t>2020/12/18</a:t>
             </a:fld>
             <a:endParaRPr lang="zh-CN" altLang="en-US">
               <a:solidFill>
@@ -8356,7 +8353,7 @@
                 </a:solidFill>
               </a:rPr>
               <a:pPr defTabSz="457200"/>
-              <a:t>12/14/2020</a:t>
+              <a:t>12/18/2020</a:t>
             </a:fld>
             <a:endParaRPr lang="en-US" dirty="0">
               <a:solidFill>
@@ -11172,7 +11169,7 @@
                 </a:solidFill>
               </a:rPr>
               <a:pPr defTabSz="457200"/>
-              <a:t>12/14/2020</a:t>
+              <a:t>12/18/2020</a:t>
             </a:fld>
             <a:endParaRPr lang="en-US" dirty="0">
               <a:solidFill>
@@ -11636,7 +11633,7 @@
                 </a:solidFill>
               </a:rPr>
               <a:pPr defTabSz="457200"/>
-              <a:t>12/14/2020</a:t>
+              <a:t>12/18/2020</a:t>
             </a:fld>
             <a:endParaRPr lang="en-US" dirty="0">
               <a:solidFill>
@@ -11911,7 +11908,7 @@
                 </a:solidFill>
               </a:rPr>
               <a:pPr defTabSz="457200"/>
-              <a:t>12/14/2020</a:t>
+              <a:t>12/18/2020</a:t>
             </a:fld>
             <a:endParaRPr lang="en-US" dirty="0">
               <a:solidFill>
@@ -12319,7 +12316,7 @@
                 </a:solidFill>
               </a:rPr>
               <a:pPr defTabSz="457200"/>
-              <a:t>2020/12/14</a:t>
+              <a:t>2020/12/18</a:t>
             </a:fld>
             <a:endParaRPr lang="zh-CN" altLang="en-US">
               <a:solidFill>
@@ -12462,7 +12459,7 @@
                 </a:solidFill>
               </a:rPr>
               <a:pPr defTabSz="457200"/>
-              <a:t>2020/12/14</a:t>
+              <a:t>2020/12/18</a:t>
             </a:fld>
             <a:endParaRPr lang="zh-CN" altLang="en-US">
               <a:solidFill>
@@ -12582,7 +12579,7 @@
                 </a:solidFill>
               </a:rPr>
               <a:pPr defTabSz="457200"/>
-              <a:t>2020/12/14</a:t>
+              <a:t>2020/12/18</a:t>
             </a:fld>
             <a:endParaRPr lang="zh-CN" altLang="en-US">
               <a:solidFill>
@@ -12884,7 +12881,7 @@
                 </a:solidFill>
               </a:rPr>
               <a:pPr defTabSz="457200"/>
-              <a:t>2020/12/14</a:t>
+              <a:t>2020/12/18</a:t>
             </a:fld>
             <a:endParaRPr lang="zh-CN" altLang="en-US">
               <a:solidFill>
@@ -13166,7 +13163,7 @@
                 </a:solidFill>
               </a:rPr>
               <a:pPr defTabSz="457200"/>
-              <a:t>2020/12/14</a:t>
+              <a:t>2020/12/18</a:t>
             </a:fld>
             <a:endParaRPr lang="zh-CN" altLang="en-US">
               <a:solidFill>
@@ -13406,7 +13403,7 @@
                 </a:solidFill>
               </a:rPr>
               <a:pPr defTabSz="457200"/>
-              <a:t>12/14/2020</a:t>
+              <a:t>12/18/2020</a:t>
             </a:fld>
             <a:endParaRPr lang="en-US" dirty="0">
               <a:solidFill>
@@ -20168,7 +20165,7 @@
           <a:graphicData uri="http://schemas.openxmlformats.org/presentationml/2006/ole">
             <mc:AlternateContent xmlns:mc="http://schemas.openxmlformats.org/markup-compatibility/2006">
               <mc:Choice xmlns:v="urn:schemas-microsoft-com:vml" Requires="v">
-                <p:oleObj spid="_x0000_s1049" name="Equation" r:id="rId4" imgW="1091880" imgH="241200" progId="Equation.DSMT4">
+                <p:oleObj spid="_x0000_s1050" name="Equation" r:id="rId4" imgW="1091880" imgH="241200" progId="Equation.DSMT4">
                   <p:embed/>
                 </p:oleObj>
               </mc:Choice>
